--- a/연구일지/졸업작품 주간 일지 30주차/논문 그림.pptx
+++ b/연구일지/졸업작품 주간 일지 30주차/논문 그림.pptx
@@ -269,7 +269,7 @@
           <a:p>
             <a:fld id="{68698B24-F54D-4BF0-82E9-6F2CD641BA5F}" type="datetimeFigureOut">
               <a:rPr lang="ko-KR" altLang="en-US" smtClean="0"/>
-              <a:t>2020-08-09</a:t>
+              <a:t>2020-08-10</a:t>
             </a:fld>
             <a:endParaRPr lang="ko-KR" altLang="en-US"/>
           </a:p>
@@ -467,7 +467,7 @@
           <a:p>
             <a:fld id="{68698B24-F54D-4BF0-82E9-6F2CD641BA5F}" type="datetimeFigureOut">
               <a:rPr lang="ko-KR" altLang="en-US" smtClean="0"/>
-              <a:t>2020-08-09</a:t>
+              <a:t>2020-08-10</a:t>
             </a:fld>
             <a:endParaRPr lang="ko-KR" altLang="en-US"/>
           </a:p>
@@ -675,7 +675,7 @@
           <a:p>
             <a:fld id="{68698B24-F54D-4BF0-82E9-6F2CD641BA5F}" type="datetimeFigureOut">
               <a:rPr lang="ko-KR" altLang="en-US" smtClean="0"/>
-              <a:t>2020-08-09</a:t>
+              <a:t>2020-08-10</a:t>
             </a:fld>
             <a:endParaRPr lang="ko-KR" altLang="en-US"/>
           </a:p>
@@ -873,7 +873,7 @@
           <a:p>
             <a:fld id="{68698B24-F54D-4BF0-82E9-6F2CD641BA5F}" type="datetimeFigureOut">
               <a:rPr lang="ko-KR" altLang="en-US" smtClean="0"/>
-              <a:t>2020-08-09</a:t>
+              <a:t>2020-08-10</a:t>
             </a:fld>
             <a:endParaRPr lang="ko-KR" altLang="en-US"/>
           </a:p>
@@ -1148,7 +1148,7 @@
           <a:p>
             <a:fld id="{68698B24-F54D-4BF0-82E9-6F2CD641BA5F}" type="datetimeFigureOut">
               <a:rPr lang="ko-KR" altLang="en-US" smtClean="0"/>
-              <a:t>2020-08-09</a:t>
+              <a:t>2020-08-10</a:t>
             </a:fld>
             <a:endParaRPr lang="ko-KR" altLang="en-US"/>
           </a:p>
@@ -1413,7 +1413,7 @@
           <a:p>
             <a:fld id="{68698B24-F54D-4BF0-82E9-6F2CD641BA5F}" type="datetimeFigureOut">
               <a:rPr lang="ko-KR" altLang="en-US" smtClean="0"/>
-              <a:t>2020-08-09</a:t>
+              <a:t>2020-08-10</a:t>
             </a:fld>
             <a:endParaRPr lang="ko-KR" altLang="en-US"/>
           </a:p>
@@ -1825,7 +1825,7 @@
           <a:p>
             <a:fld id="{68698B24-F54D-4BF0-82E9-6F2CD641BA5F}" type="datetimeFigureOut">
               <a:rPr lang="ko-KR" altLang="en-US" smtClean="0"/>
-              <a:t>2020-08-09</a:t>
+              <a:t>2020-08-10</a:t>
             </a:fld>
             <a:endParaRPr lang="ko-KR" altLang="en-US"/>
           </a:p>
@@ -1966,7 +1966,7 @@
           <a:p>
             <a:fld id="{68698B24-F54D-4BF0-82E9-6F2CD641BA5F}" type="datetimeFigureOut">
               <a:rPr lang="ko-KR" altLang="en-US" smtClean="0"/>
-              <a:t>2020-08-09</a:t>
+              <a:t>2020-08-10</a:t>
             </a:fld>
             <a:endParaRPr lang="ko-KR" altLang="en-US"/>
           </a:p>
@@ -2079,7 +2079,7 @@
           <a:p>
             <a:fld id="{68698B24-F54D-4BF0-82E9-6F2CD641BA5F}" type="datetimeFigureOut">
               <a:rPr lang="ko-KR" altLang="en-US" smtClean="0"/>
-              <a:t>2020-08-09</a:t>
+              <a:t>2020-08-10</a:t>
             </a:fld>
             <a:endParaRPr lang="ko-KR" altLang="en-US"/>
           </a:p>
@@ -2390,7 +2390,7 @@
           <a:p>
             <a:fld id="{68698B24-F54D-4BF0-82E9-6F2CD641BA5F}" type="datetimeFigureOut">
               <a:rPr lang="ko-KR" altLang="en-US" smtClean="0"/>
-              <a:t>2020-08-09</a:t>
+              <a:t>2020-08-10</a:t>
             </a:fld>
             <a:endParaRPr lang="ko-KR" altLang="en-US"/>
           </a:p>
@@ -2678,7 +2678,7 @@
           <a:p>
             <a:fld id="{68698B24-F54D-4BF0-82E9-6F2CD641BA5F}" type="datetimeFigureOut">
               <a:rPr lang="ko-KR" altLang="en-US" smtClean="0"/>
-              <a:t>2020-08-09</a:t>
+              <a:t>2020-08-10</a:t>
             </a:fld>
             <a:endParaRPr lang="ko-KR" altLang="en-US"/>
           </a:p>
@@ -2919,7 +2919,7 @@
           <a:p>
             <a:fld id="{68698B24-F54D-4BF0-82E9-6F2CD641BA5F}" type="datetimeFigureOut">
               <a:rPr lang="ko-KR" altLang="en-US" smtClean="0"/>
-              <a:t>2020-08-09</a:t>
+              <a:t>2020-08-10</a:t>
             </a:fld>
             <a:endParaRPr lang="ko-KR" altLang="en-US"/>
           </a:p>
@@ -13807,7 +13807,7 @@
             <a:pPr fontAlgn="base"/>
             <a:r>
               <a:rPr lang="en-US" altLang="ko-KR" sz="700"/>
-              <a:t>SON1  </a:t>
+              <a:t>SOS1  </a:t>
             </a:r>
             <a:r>
               <a:rPr lang="en-US" altLang="ko-KR" sz="700" b="1"/>
@@ -13830,7 +13830,7 @@
             <a:pPr fontAlgn="base"/>
             <a:r>
               <a:rPr lang="en-US" altLang="ko-KR" sz="700"/>
-              <a:t>SON2    </a:t>
+              <a:t>SOS2    </a:t>
             </a:r>
             <a:r>
               <a:rPr lang="en-US" altLang="ko-KR" sz="700" b="1"/>
@@ -13849,7 +13849,7 @@
             <a:pPr fontAlgn="base"/>
             <a:r>
               <a:rPr lang="en-US" altLang="ko-KR" sz="700"/>
-              <a:t>SON3      </a:t>
+              <a:t>SOS3      </a:t>
             </a:r>
             <a:r>
               <a:rPr lang="en-US" altLang="ko-KR" sz="700" b="1"/>
@@ -13869,7 +13869,7 @@
             <a:pPr fontAlgn="base"/>
             <a:r>
               <a:rPr lang="en-US" altLang="ko-KR" sz="700"/>
-              <a:t>SON4        </a:t>
+              <a:t>SOS4        </a:t>
             </a:r>
             <a:r>
               <a:rPr lang="en-US" altLang="ko-KR" sz="700" b="1"/>
@@ -13888,14 +13888,14 @@
             <a:pPr fontAlgn="base"/>
             <a:r>
               <a:rPr lang="en-US" altLang="ko-KR" sz="700"/>
-              <a:t>SON5          pred-&gt;release()</a:t>
-            </a:r>
-          </a:p>
-          <a:p>
-            <a:pPr fontAlgn="base"/>
-            <a:r>
-              <a:rPr lang="en-US" altLang="ko-KR" sz="700"/>
-              <a:t>SON6        </a:t>
+              <a:t>SOS5          pred-&gt;release()</a:t>
+            </a:r>
+          </a:p>
+          <a:p>
+            <a:pPr fontAlgn="base"/>
+            <a:r>
+              <a:rPr lang="en-US" altLang="ko-KR" sz="700"/>
+              <a:t>SOS6        </a:t>
             </a:r>
             <a:r>
               <a:rPr lang="en-US" altLang="ko-KR" sz="700" b="1"/>
@@ -13910,7 +13910,7 @@
             <a:pPr fontAlgn="base"/>
             <a:r>
               <a:rPr lang="en-US" altLang="ko-KR" sz="700"/>
-              <a:t>SON7    </a:t>
+              <a:t>SOS7    </a:t>
             </a:r>
             <a:r>
               <a:rPr lang="en-US" altLang="ko-KR" sz="700" b="1"/>
@@ -13929,14 +13929,14 @@
             <a:pPr fontAlgn="base"/>
             <a:r>
               <a:rPr lang="en-US" altLang="ko-KR" sz="700"/>
-              <a:t>SON8      otr-&gt;release()</a:t>
-            </a:r>
-          </a:p>
-          <a:p>
-            <a:pPr fontAlgn="base"/>
-            <a:r>
-              <a:rPr lang="en-US" altLang="ko-KR" sz="700"/>
-              <a:t>SON9      </a:t>
+              <a:t>SOS8      otr-&gt;release()</a:t>
+            </a:r>
+          </a:p>
+          <a:p>
+            <a:pPr fontAlgn="base"/>
+            <a:r>
+              <a:rPr lang="en-US" altLang="ko-KR" sz="700"/>
+              <a:t>SOS9      </a:t>
             </a:r>
             <a:r>
               <a:rPr lang="en-US" altLang="ko-KR" sz="700" b="1"/>
@@ -13951,7 +13951,7 @@
             <a:pPr fontAlgn="base"/>
             <a:r>
               <a:rPr lang="en-US" altLang="ko-KR" sz="700"/>
-              <a:t>SON10  </a:t>
+              <a:t>SOS10  </a:t>
             </a:r>
             <a:r>
               <a:rPr lang="en-US" altLang="ko-KR" sz="700" b="1"/>
@@ -13970,7 +13970,7 @@
             <a:pPr fontAlgn="base"/>
             <a:r>
               <a:rPr lang="en-US" altLang="ko-KR" sz="700"/>
-              <a:t>SON11    </a:t>
+              <a:t>SOS11    </a:t>
             </a:r>
             <a:r>
               <a:rPr lang="en-US" altLang="ko-KR" sz="700" b="1"/>
@@ -13989,14 +13989,14 @@
             <a:pPr fontAlgn="base"/>
             <a:r>
               <a:rPr lang="en-US" altLang="ko-KR" sz="700"/>
-              <a:t>SON12      pred-&gt;release()</a:t>
-            </a:r>
-          </a:p>
-          <a:p>
-            <a:pPr fontAlgn="base"/>
-            <a:r>
-              <a:rPr lang="en-US" altLang="ko-KR" sz="700"/>
-              <a:t>SON13    </a:t>
+              <a:t>SOS12      pred-&gt;release()</a:t>
+            </a:r>
+          </a:p>
+          <a:p>
+            <a:pPr fontAlgn="base"/>
+            <a:r>
+              <a:rPr lang="en-US" altLang="ko-KR" sz="700"/>
+              <a:t>SOS13    </a:t>
             </a:r>
             <a:r>
               <a:rPr lang="en-US" altLang="ko-KR" sz="700" b="1"/>
@@ -14011,7 +14011,7 @@
             <a:pPr fontAlgn="base"/>
             <a:r>
               <a:rPr lang="en-US" altLang="ko-KR" sz="700"/>
-              <a:t>SON14  </a:t>
+              <a:t>SOS14  </a:t>
             </a:r>
             <a:r>
               <a:rPr lang="en-US" altLang="ko-KR" sz="700" b="1"/>
@@ -14022,14 +14022,14 @@
             <a:pPr fontAlgn="base"/>
             <a:r>
               <a:rPr lang="en-US" altLang="ko-KR" sz="700"/>
-              <a:t>SON15    otr-&gt;release()</a:t>
-            </a:r>
-          </a:p>
-          <a:p>
-            <a:pPr fontAlgn="base"/>
-            <a:r>
-              <a:rPr lang="en-US" altLang="ko-KR" sz="700"/>
-              <a:t>SON16    continue</a:t>
+              <a:t>SOS15    otr-&gt;release()</a:t>
+            </a:r>
+          </a:p>
+          <a:p>
+            <a:pPr fontAlgn="base"/>
+            <a:r>
+              <a:rPr lang="en-US" altLang="ko-KR" sz="700"/>
+              <a:t>SOS16    continue</a:t>
             </a:r>
           </a:p>
         </p:txBody>
